--- a/SRS评审.pptx
+++ b/SRS评审.pptx
@@ -8389,7 +8389,7 @@
           <a:lstStyle/>
           <a:p>
             <a:r>
-              <a:rPr lang="en-US" dirty="0">
+              <a:rPr lang="en-US">
                 <a:solidFill>
                   <a:schemeClr val="tx2">
                     <a:lumMod val="60000"/>
@@ -8398,10 +8398,10 @@
                 </a:solidFill>
                 <a:latin typeface="New Cicle" pitchFamily="2" charset="0"/>
               </a:rPr>
-              <a:t>G</a:t>
+              <a:t>G16</a:t>
             </a:r>
             <a:r>
-              <a:rPr lang="en-US" altLang="zh-CN" dirty="0">
+              <a:rPr lang="en-US" altLang="zh-CN">
                 <a:solidFill>
                   <a:schemeClr val="tx2">
                     <a:lumMod val="60000"/>
@@ -8410,7 +8410,7 @@
                 </a:solidFill>
                 <a:latin typeface="New Cicle" pitchFamily="2" charset="0"/>
               </a:rPr>
-              <a:t>03 </a:t>
+              <a:t> </a:t>
             </a:r>
             <a:r>
               <a:rPr lang="zh-CN" altLang="en-US" dirty="0">
